--- a/documents/발표 ppt/B-tuur-park.pptx
+++ b/documents/발표 ppt/B-tuur-park.pptx
@@ -28192,13 +28192,15 @@
         </p:nvSpPr>
         <p:spPr>
           <a:xfrm>
-            <a:off x="6959325" y="2931250"/>
-            <a:ext cx="4436100" cy="1341900"/>
+            <a:off x="6829300" y="3022125"/>
+            <a:ext cx="4436100" cy="1153200"/>
           </a:xfrm>
           <a:prstGeom prst="rect">
             <a:avLst/>
           </a:prstGeom>
-          <a:noFill/>
+          <a:solidFill>
+            <a:schemeClr val="lt1"/>
+          </a:solidFill>
           <a:ln>
             <a:noFill/>
           </a:ln>
@@ -28236,7 +28238,7 @@
                 <a:cs typeface="Malgun Gothic"/>
                 <a:sym typeface="Malgun Gothic"/>
               </a:rPr>
-              <a:t>이미지 삽입</a:t>
+              <a:t>첫 화면 이미지 삽입</a:t>
             </a:r>
             <a:endParaRPr>
               <a:solidFill>
@@ -28276,7 +28278,7 @@
                 <a:cs typeface="Malgun Gothic"/>
                 <a:sym typeface="Malgun Gothic"/>
               </a:rPr>
-              <a:t>Start 버튼 삽입</a:t>
+              <a:t>Start 버튼</a:t>
             </a:r>
             <a:br>
               <a:rPr lang="en-US">
@@ -31502,7 +31504,9 @@
           <a:prstGeom prst="rect">
             <a:avLst/>
           </a:prstGeom>
-          <a:noFill/>
+          <a:solidFill>
+            <a:schemeClr val="lt1"/>
+          </a:solidFill>
           <a:ln>
             <a:noFill/>
           </a:ln>
@@ -36064,7 +36068,9 @@
           <a:prstGeom prst="rect">
             <a:avLst/>
           </a:prstGeom>
-          <a:noFill/>
+          <a:solidFill>
+            <a:schemeClr val="lt1"/>
+          </a:solidFill>
           <a:ln>
             <a:noFill/>
           </a:ln>
@@ -36102,7 +36108,7 @@
                 <a:cs typeface="Malgun Gothic"/>
                 <a:sym typeface="Malgun Gothic"/>
               </a:rPr>
-              <a:t>토핑을 추가하고자 하는 항목을 선택시</a:t>
+              <a:t>토핑을 추가하고자 하는 항목을 선택 시</a:t>
             </a:r>
             <a:br>
               <a:rPr lang="en-US">
@@ -36942,7 +36948,9 @@
           <a:prstGeom prst="rect">
             <a:avLst/>
           </a:prstGeom>
-          <a:noFill/>
+          <a:solidFill>
+            <a:schemeClr val="lt1"/>
+          </a:solidFill>
           <a:ln>
             <a:noFill/>
           </a:ln>
@@ -39515,7 +39523,9 @@
           <a:prstGeom prst="rect">
             <a:avLst/>
           </a:prstGeom>
-          <a:noFill/>
+          <a:solidFill>
+            <a:schemeClr val="lt1"/>
+          </a:solidFill>
           <a:ln>
             <a:noFill/>
           </a:ln>
@@ -41434,12 +41444,14 @@
         <p:spPr>
           <a:xfrm>
             <a:off x="6959325" y="2931250"/>
-            <a:ext cx="4238100" cy="1483500"/>
+            <a:ext cx="4238100" cy="756900"/>
           </a:xfrm>
           <a:prstGeom prst="rect">
             <a:avLst/>
           </a:prstGeom>
-          <a:noFill/>
+          <a:solidFill>
+            <a:schemeClr val="lt1"/>
+          </a:solidFill>
           <a:ln>
             <a:noFill/>
           </a:ln>
@@ -41517,7 +41529,7 @@
                 <a:cs typeface="Malgun Gothic"/>
                 <a:sym typeface="Malgun Gothic"/>
               </a:rPr>
-              <a:t>다음버튼 누를 시 결제 화면으로 이동</a:t>
+              <a:t>선택 시 결제 화면으로 이동</a:t>
             </a:r>
             <a:endParaRPr>
               <a:solidFill>
@@ -43942,12 +43954,14 @@
         <p:spPr>
           <a:xfrm>
             <a:off x="6959325" y="2931250"/>
-            <a:ext cx="4238100" cy="1483500"/>
+            <a:ext cx="4238100" cy="756900"/>
           </a:xfrm>
           <a:prstGeom prst="rect">
             <a:avLst/>
           </a:prstGeom>
-          <a:noFill/>
+          <a:solidFill>
+            <a:schemeClr val="lt1"/>
+          </a:solidFill>
           <a:ln>
             <a:noFill/>
           </a:ln>
